--- a/classes/prog2020/Lab03.pptx
+++ b/classes/prog2020/Lab03.pptx
@@ -306,7 +306,7 @@
             <a:fld id="{1D8BD707-D9CF-40AE-B4C6-C98DA3205C09}" type="datetimeFigureOut">
               <a:rPr lang="en-US" smtClean="0"/>
               <a:pPr/>
-              <a:t>9/28/2020</a:t>
+              <a:t>9/30/2020</a:t>
             </a:fld>
             <a:endParaRPr lang="en-US"/>
           </a:p>
@@ -471,7 +471,7 @@
             <a:fld id="{1D8BD707-D9CF-40AE-B4C6-C98DA3205C09}" type="datetimeFigureOut">
               <a:rPr lang="en-US" smtClean="0"/>
               <a:pPr/>
-              <a:t>9/28/2020</a:t>
+              <a:t>9/30/2020</a:t>
             </a:fld>
             <a:endParaRPr lang="en-US"/>
           </a:p>
@@ -646,7 +646,7 @@
             <a:fld id="{1D8BD707-D9CF-40AE-B4C6-C98DA3205C09}" type="datetimeFigureOut">
               <a:rPr lang="en-US" smtClean="0"/>
               <a:pPr/>
-              <a:t>9/28/2020</a:t>
+              <a:t>9/30/2020</a:t>
             </a:fld>
             <a:endParaRPr lang="en-US"/>
           </a:p>
@@ -811,7 +811,7 @@
             <a:fld id="{1D8BD707-D9CF-40AE-B4C6-C98DA3205C09}" type="datetimeFigureOut">
               <a:rPr lang="en-US" smtClean="0"/>
               <a:pPr/>
-              <a:t>9/28/2020</a:t>
+              <a:t>9/30/2020</a:t>
             </a:fld>
             <a:endParaRPr lang="en-US"/>
           </a:p>
@@ -1053,7 +1053,7 @@
             <a:fld id="{1D8BD707-D9CF-40AE-B4C6-C98DA3205C09}" type="datetimeFigureOut">
               <a:rPr lang="en-US" smtClean="0"/>
               <a:pPr/>
-              <a:t>9/28/2020</a:t>
+              <a:t>9/30/2020</a:t>
             </a:fld>
             <a:endParaRPr lang="en-US"/>
           </a:p>
@@ -1335,7 +1335,7 @@
             <a:fld id="{1D8BD707-D9CF-40AE-B4C6-C98DA3205C09}" type="datetimeFigureOut">
               <a:rPr lang="en-US" smtClean="0"/>
               <a:pPr/>
-              <a:t>9/28/2020</a:t>
+              <a:t>9/30/2020</a:t>
             </a:fld>
             <a:endParaRPr lang="en-US"/>
           </a:p>
@@ -1751,7 +1751,7 @@
             <a:fld id="{1D8BD707-D9CF-40AE-B4C6-C98DA3205C09}" type="datetimeFigureOut">
               <a:rPr lang="en-US" smtClean="0"/>
               <a:pPr/>
-              <a:t>9/28/2020</a:t>
+              <a:t>9/30/2020</a:t>
             </a:fld>
             <a:endParaRPr lang="en-US"/>
           </a:p>
@@ -1865,7 +1865,7 @@
             <a:fld id="{1D8BD707-D9CF-40AE-B4C6-C98DA3205C09}" type="datetimeFigureOut">
               <a:rPr lang="en-US" smtClean="0"/>
               <a:pPr/>
-              <a:t>9/28/2020</a:t>
+              <a:t>9/30/2020</a:t>
             </a:fld>
             <a:endParaRPr lang="en-US"/>
           </a:p>
@@ -1957,7 +1957,7 @@
             <a:fld id="{1D8BD707-D9CF-40AE-B4C6-C98DA3205C09}" type="datetimeFigureOut">
               <a:rPr lang="en-US" smtClean="0"/>
               <a:pPr/>
-              <a:t>9/28/2020</a:t>
+              <a:t>9/30/2020</a:t>
             </a:fld>
             <a:endParaRPr lang="en-US"/>
           </a:p>
@@ -2229,7 +2229,7 @@
             <a:fld id="{1D8BD707-D9CF-40AE-B4C6-C98DA3205C09}" type="datetimeFigureOut">
               <a:rPr lang="en-US" smtClean="0"/>
               <a:pPr/>
-              <a:t>9/28/2020</a:t>
+              <a:t>9/30/2020</a:t>
             </a:fld>
             <a:endParaRPr lang="en-US"/>
           </a:p>
@@ -2478,7 +2478,7 @@
             <a:fld id="{1D8BD707-D9CF-40AE-B4C6-C98DA3205C09}" type="datetimeFigureOut">
               <a:rPr lang="en-US" smtClean="0"/>
               <a:pPr/>
-              <a:t>9/28/2020</a:t>
+              <a:t>9/30/2020</a:t>
             </a:fld>
             <a:endParaRPr lang="en-US"/>
           </a:p>
@@ -2686,7 +2686,7 @@
             <a:fld id="{1D8BD707-D9CF-40AE-B4C6-C98DA3205C09}" type="datetimeFigureOut">
               <a:rPr lang="en-US" smtClean="0"/>
               <a:pPr/>
-              <a:t>9/28/2020</a:t>
+              <a:t>9/30/2020</a:t>
             </a:fld>
             <a:endParaRPr lang="en-US"/>
           </a:p>
@@ -3066,7 +3066,7 @@
         <p:spPr>
           <a:xfrm>
             <a:off x="838200" y="533400"/>
-            <a:ext cx="7553863" cy="646331"/>
+            <a:ext cx="7918258" cy="3139321"/>
           </a:xfrm>
           <a:prstGeom prst="rect">
             <a:avLst/>
@@ -3093,7 +3093,54 @@
             </a:r>
             <a:r>
               <a:rPr lang="en-US" dirty="0"/>
-              <a:t> ; </a:t>
+              <a:t> ;</a:t>
+            </a:r>
+          </a:p>
+          <a:p>
+            <a:endParaRPr lang="en-US" dirty="0"/>
+          </a:p>
+          <a:p>
+            <a:endParaRPr lang="en-US" dirty="0"/>
+          </a:p>
+          <a:p>
+            <a:endParaRPr lang="en-US" dirty="0"/>
+          </a:p>
+          <a:p>
+            <a:r>
+              <a:rPr lang="en-US" dirty="0"/>
+              <a:t>Also due on October 7</a:t>
+            </a:r>
+            <a:r>
+              <a:rPr lang="en-US" baseline="30000" dirty="0"/>
+              <a:t>th</a:t>
+            </a:r>
+            <a:r>
+              <a:rPr lang="en-US" dirty="0"/>
+              <a:t> :</a:t>
+            </a:r>
+          </a:p>
+          <a:p>
+            <a:endParaRPr lang="en-US" dirty="0"/>
+          </a:p>
+          <a:p>
+            <a:r>
+              <a:rPr lang="en-US" dirty="0"/>
+              <a:t>Please send (via e-mail) a one paragraph description of your independent project.</a:t>
+            </a:r>
+          </a:p>
+          <a:p>
+            <a:r>
+              <a:rPr lang="en-US" dirty="0"/>
+              <a:t>(This one paragraph will be graded as submitted/not-submitted)</a:t>
+            </a:r>
+          </a:p>
+          <a:p>
+            <a:endParaRPr lang="en-US" dirty="0"/>
+          </a:p>
+          <a:p>
+            <a:r>
+              <a:rPr lang="en-US" dirty="0"/>
+              <a:t>I will work with you to refine your ideas and add details to an implementation plan</a:t>
             </a:r>
           </a:p>
         </p:txBody>
